--- a/econ-115-module-1-1-themes-#tceh.pptx
+++ b/econ-115-module-1-1-themes-#tceh.pptx
@@ -12,6 +12,10 @@
     <p:sldId id="257" r:id="rId9"/>
     <p:sldId id="258" r:id="rId10"/>
     <p:sldId id="259" r:id="rId11"/>
+    <p:sldId id="260" r:id="rId12"/>
+    <p:sldId id="261" r:id="rId13"/>
+    <p:sldId id="262" r:id="rId14"/>
+    <p:sldId id="263" r:id="rId15"/>
   </p:sldIdLst>
   <p:sldSz cx="13004800" cy="9753600"/>
   <p:notesSz cx="6858000" cy="9144000"/>
@@ -4759,11 +4763,11 @@
         <p:txBody>
           <a:bodyPr lIns="65021" tIns="65021" rIns="65021" bIns="65021" anchor="ctr"/>
           <a:lstStyle>
-            <a:lvl1pPr algn="ctr" defTabSz="299110">
+            <a:lvl1pPr algn="ctr" defTabSz="422655">
               <a:lnSpc>
                 <a:spcPct val="100000"/>
               </a:lnSpc>
-              <a:defRPr spc="0" sz="5152">
+              <a:defRPr spc="0" sz="5200">
                 <a:solidFill>
                   <a:srgbClr val="800000"/>
                 </a:solidFill>
@@ -4918,7 +4922,25 @@
               </a:defRPr>
             </a:pPr>
             <a:r>
-              <a:t>&lt;github mp4&gt; &lt;github pptx&gt; &lt;github youtube&gt;</a:t>
+              <a:t>&lt;</a:t>
+            </a:r>
+            <a:r>
+              <a:rPr u="sng">
+                <a:hlinkClick r:id="rId3" invalidUrl="" action="" tgtFrame="" tooltip="" history="1" highlightClick="0" endSnd="0"/>
+              </a:rPr>
+              <a:t>https://youtu.be/pXRs2OLUhKo</a:t>
+            </a:r>
+            <a:r>
+              <a:t>&gt; &lt;</a:t>
+            </a:r>
+            <a:r>
+              <a:rPr u="sng">
+                <a:hlinkClick r:id="rId4" invalidUrl="" action="" tgtFrame="" tooltip="" history="1" highlightClick="0" endSnd="0"/>
+              </a:rPr>
+              <a:t>https://github.com/braddelong/public-files/blob/master/econ-115-module-1-1-themes-%23tceh.pptx</a:t>
+            </a:r>
+            <a:r>
+              <a:t>&gt;</a:t>
             </a:r>
           </a:p>
         </p:txBody>
@@ -4993,7 +5015,7 @@
           <p:nvPr/>
         </p:nvPicPr>
         <p:blipFill>
-          <a:blip r:embed="rId3">
+          <a:blip r:embed="rId5">
             <a:extLst/>
           </a:blip>
           <a:stretch>
@@ -5100,8 +5122,8 @@
         </p:nvSpPr>
         <p:spPr>
           <a:xfrm>
-            <a:off x="160089" y="1625597"/>
-            <a:ext cx="12643557" cy="7784055"/>
+            <a:off x="160089" y="1625596"/>
+            <a:ext cx="12643557" cy="7784056"/>
           </a:xfrm>
           <a:prstGeom prst="rect">
             <a:avLst/>
@@ -5286,8 +5308,8 @@
         </p:nvSpPr>
         <p:spPr>
           <a:xfrm>
-            <a:off x="160089" y="1625597"/>
-            <a:ext cx="12643557" cy="7784055"/>
+            <a:off x="160089" y="1625596"/>
+            <a:ext cx="12643557" cy="7784056"/>
           </a:xfrm>
           <a:prstGeom prst="rect">
             <a:avLst/>
@@ -5493,8 +5515,8 @@
         </p:nvSpPr>
         <p:spPr>
           <a:xfrm>
-            <a:off x="160089" y="1625597"/>
-            <a:ext cx="12643557" cy="7784055"/>
+            <a:off x="160089" y="1625596"/>
+            <a:ext cx="12643557" cy="7784056"/>
           </a:xfrm>
           <a:prstGeom prst="rect">
             <a:avLst/>
@@ -5675,6 +5697,955 @@
             <a:r>
               <a:t>Slouches towards Bethlehem to be born?</a:t>
             </a:r>
+          </a:p>
+        </p:txBody>
+      </p:sp>
+    </p:spTree>
+  </p:cSld>
+  <p:clrMapOvr>
+    <a:masterClrMapping/>
+  </p:clrMapOvr>
+  <p:transition xmlns:p14="http://schemas.microsoft.com/office/powerpoint/2010/main" spd="med" advClick="1"/>
+</p:sld>
+</file>
+
+<file path=ppt/slides/slide5.xml><?xml version="1.0" encoding="utf-8"?>
+<p:sld xmlns:a="http://schemas.openxmlformats.org/drawingml/2006/main" xmlns:r="http://schemas.openxmlformats.org/officeDocument/2006/relationships" xmlns:p="http://schemas.openxmlformats.org/presentationml/2006/main" xmlns:m="http://schemas.openxmlformats.org/officeDocument/2006/math" xmlns:a14="http://schemas.microsoft.com/office/drawing/2010/main" showMasterSp="1" showMasterPhAnim="1">
+  <p:cSld>
+    <p:spTree>
+      <p:nvGrpSpPr>
+        <p:cNvPr id="1" name=""/>
+        <p:cNvGrpSpPr/>
+        <p:nvPr/>
+      </p:nvGrpSpPr>
+      <p:grpSpPr>
+        <a:xfrm>
+          <a:off x="0" y="0"/>
+          <a:ext cx="0" cy="0"/>
+          <a:chOff x="0" y="0"/>
+          <a:chExt cx="0" cy="0"/>
+        </a:xfrm>
+      </p:grpSpPr>
+      <p:sp>
+        <p:nvSpPr>
+          <p:cNvPr id="174" name="About the Course"/>
+          <p:cNvSpPr txBox="1"/>
+          <p:nvPr>
+            <p:ph type="title" idx="4294967295"/>
+          </p:nvPr>
+        </p:nvSpPr>
+        <p:spPr>
+          <a:xfrm>
+            <a:off x="160089" y="-3"/>
+            <a:ext cx="12643557" cy="1625601"/>
+          </a:xfrm>
+          <a:prstGeom prst="rect">
+            <a:avLst/>
+          </a:prstGeom>
+        </p:spPr>
+        <p:txBody>
+          <a:bodyPr lIns="65021" tIns="65021" rIns="65021" bIns="65021" anchor="ctr"/>
+          <a:lstStyle>
+            <a:lvl1pPr algn="ctr" defTabSz="565708">
+              <a:lnSpc>
+                <a:spcPct val="100000"/>
+              </a:lnSpc>
+              <a:defRPr spc="0" sz="9744">
+                <a:solidFill>
+                  <a:srgbClr val="800000"/>
+                </a:solidFill>
+                <a:uFill>
+                  <a:solidFill>
+                    <a:srgbClr val="000000"/>
+                  </a:solidFill>
+                </a:uFill>
+                <a:latin typeface="Helvetica"/>
+                <a:ea typeface="Helvetica"/>
+                <a:cs typeface="Helvetica"/>
+                <a:sym typeface="Helvetica"/>
+              </a:defRPr>
+            </a:lvl1pPr>
+          </a:lstStyle>
+          <a:p>
+            <a:pPr/>
+            <a:r>
+              <a:t>Addendum: Script</a:t>
+            </a:r>
+          </a:p>
+        </p:txBody>
+      </p:sp>
+      <p:sp>
+        <p:nvSpPr>
+          <p:cNvPr id="175" name="The long 20th century will in all likelihood be seen in the future as the watershed in human experience:…"/>
+          <p:cNvSpPr txBox="1"/>
+          <p:nvPr/>
+        </p:nvSpPr>
+        <p:spPr>
+          <a:xfrm>
+            <a:off x="160089" y="1625596"/>
+            <a:ext cx="6096001" cy="7784056"/>
+          </a:xfrm>
+          <a:prstGeom prst="rect">
+            <a:avLst/>
+          </a:prstGeom>
+          <a:ln w="12700">
+            <a:miter lim="400000"/>
+          </a:ln>
+          <a:extLst>
+            <a:ext uri="{C572A759-6A51-4108-AA02-DFA0A04FC94B}">
+              <ma14:wrappingTextBoxFlag xmlns:ma14="http://schemas.microsoft.com/office/mac/drawingml/2011/main" val="1"/>
+            </a:ext>
+          </a:extLst>
+        </p:spPr>
+        <p:txBody>
+          <a:bodyPr lIns="65021" tIns="65021" rIns="65021" bIns="65021"/>
+          <a:lstStyle/>
+          <a:p>
+            <a:pPr algn="l" defTabSz="584199">
+              <a:spcBef>
+                <a:spcPts val="900"/>
+              </a:spcBef>
+              <a:defRPr sz="2400">
+                <a:solidFill>
+                  <a:srgbClr val="000000"/>
+                </a:solidFill>
+                <a:latin typeface="Times New Roman"/>
+                <a:ea typeface="Times New Roman"/>
+                <a:cs typeface="Times New Roman"/>
+                <a:sym typeface="Times New Roman"/>
+              </a:defRPr>
+            </a:pPr>
+            <a:r>
+              <a:t>Jump forward two- or three-thousand years from now. Then, in our future, history as _we_ know it will have been boiled down to its bare core. If there is somebody like me, working at a task something like this, informing students of the Big Ideas of a history course.</a:t>
+            </a:r>
+          </a:p>
+          <a:p>
+            <a:pPr algn="l" defTabSz="584199">
+              <a:spcBef>
+                <a:spcPts val="900"/>
+              </a:spcBef>
+              <a:defRPr sz="2400">
+                <a:solidFill>
+                  <a:srgbClr val="000000"/>
+                </a:solidFill>
+                <a:latin typeface="Times New Roman"/>
+                <a:ea typeface="Times New Roman"/>
+                <a:cs typeface="Times New Roman"/>
+                <a:sym typeface="Times New Roman"/>
+              </a:defRPr>
+            </a:pPr>
+            <a:r>
+              <a:t>And then they will probably try to highlight a few Big Ideas about the history of the 20th century:</a:t>
+            </a:r>
+          </a:p>
+          <a:p>
+            <a:pPr algn="l" defTabSz="584199">
+              <a:spcBef>
+                <a:spcPts val="900"/>
+              </a:spcBef>
+              <a:defRPr sz="2400">
+                <a:solidFill>
+                  <a:srgbClr val="000000"/>
+                </a:solidFill>
+                <a:latin typeface="Times New Roman"/>
+                <a:ea typeface="Times New Roman"/>
+                <a:cs typeface="Times New Roman"/>
+                <a:sym typeface="Times New Roman"/>
+              </a:defRPr>
+            </a:pPr>
+            <a:r>
+              <a:t>1. That the history of the twentieth century was overwhelmingly _economic_: the economy was the dominant arena of events and changes, and economic changes were the driving force behind other changes in a way never seen before in any century-long time span.</a:t>
+            </a:r>
+          </a:p>
+          <a:p>
+            <a:pPr algn="l" defTabSz="584199">
+              <a:spcBef>
+                <a:spcPts val="900"/>
+              </a:spcBef>
+              <a:defRPr sz="2400">
+                <a:solidFill>
+                  <a:srgbClr val="000000"/>
+                </a:solidFill>
+                <a:latin typeface="Times New Roman"/>
+                <a:ea typeface="Times New Roman"/>
+                <a:cs typeface="Times New Roman"/>
+                <a:sym typeface="Times New Roman"/>
+              </a:defRPr>
+            </a:pPr>
+            <a:r>
+              <a:t>2. That the twentieth century saw the material wealth of humankind explode beyond all previous imagining: we—at least those of us who belong to the upper middle class and live in the industrial core of the world economy—are now far richer than the writers of previous</a:t>
+            </a:r>
+          </a:p>
+        </p:txBody>
+      </p:sp>
+      <p:sp>
+        <p:nvSpPr>
+          <p:cNvPr id="176" name="The long 20th century will in all likelihood be seen in the future as the watershed in human experience:…"/>
+          <p:cNvSpPr txBox="1"/>
+          <p:nvPr/>
+        </p:nvSpPr>
+        <p:spPr>
+          <a:xfrm>
+            <a:off x="6707645" y="1625597"/>
+            <a:ext cx="6096001" cy="7784055"/>
+          </a:xfrm>
+          <a:prstGeom prst="rect">
+            <a:avLst/>
+          </a:prstGeom>
+          <a:ln w="12700">
+            <a:miter lim="400000"/>
+          </a:ln>
+          <a:extLst>
+            <a:ext uri="{C572A759-6A51-4108-AA02-DFA0A04FC94B}">
+              <ma14:wrappingTextBoxFlag xmlns:ma14="http://schemas.microsoft.com/office/mac/drawingml/2011/main" val="1"/>
+            </a:ext>
+          </a:extLst>
+        </p:spPr>
+        <p:txBody>
+          <a:bodyPr lIns="65021" tIns="65021" rIns="65021" bIns="65021"/>
+          <a:lstStyle/>
+          <a:p>
+            <a:pPr algn="l" defTabSz="584199">
+              <a:spcBef>
+                <a:spcPts val="900"/>
+              </a:spcBef>
+              <a:defRPr sz="2400">
+                <a:solidFill>
+                  <a:srgbClr val="000000"/>
+                </a:solidFill>
+                <a:latin typeface="Times New Roman"/>
+                <a:ea typeface="Times New Roman"/>
+                <a:cs typeface="Times New Roman"/>
+                <a:sym typeface="Times New Roman"/>
+              </a:defRPr>
+            </a:pPr>
+            <a:r>
+              <a:t>imagining: we—at least those of us who belong to the upper middle class and live in the industrial core of the world economy—are now far richer than the writers of previous centuries’ utopias could have imagined. </a:t>
+            </a:r>
+          </a:p>
+          <a:p>
+            <a:pPr algn="l" defTabSz="584199">
+              <a:spcBef>
+                <a:spcPts val="900"/>
+              </a:spcBef>
+              <a:defRPr sz="2400">
+                <a:solidFill>
+                  <a:srgbClr val="000000"/>
+                </a:solidFill>
+                <a:latin typeface="Times New Roman"/>
+                <a:ea typeface="Times New Roman"/>
+                <a:cs typeface="Times New Roman"/>
+                <a:sym typeface="Times New Roman"/>
+              </a:defRPr>
+            </a:pPr>
+            <a:r>
+              <a:t>Spearheaded in the American economy—“the furnace where the future was being forged”, in the words of communist Russian revolutionary Leon Trotsky—by the coming of the industrial research lab and the modern corporation to rationalize and routinize the process of inventing and diffusing technology; reinforced by globalization that interconnected everyone’s destiny with the destinies of billions of others thousands of miles away, the transformation of humanity from a state of general poverty to one in which there was enough wealth that, as my friend Max Singer used to say, a truly human world was within our grasp.</a:t>
+            </a:r>
+          </a:p>
+          <a:p>
+            <a:pPr algn="l" defTabSz="584199">
+              <a:spcBef>
+                <a:spcPts val="900"/>
+              </a:spcBef>
+              <a:defRPr sz="2400">
+                <a:solidFill>
+                  <a:srgbClr val="000000"/>
+                </a:solidFill>
+                <a:latin typeface="Times New Roman"/>
+                <a:ea typeface="Times New Roman"/>
+                <a:cs typeface="Times New Roman"/>
+                <a:sym typeface="Times New Roman"/>
+              </a:defRPr>
+            </a:pPr>
+            <a:r>
+              <a:t>3. That alongside the coming of wealth was the coming of health and long life, and this had </a:t>
+            </a:r>
+          </a:p>
+        </p:txBody>
+      </p:sp>
+    </p:spTree>
+  </p:cSld>
+  <p:clrMapOvr>
+    <a:masterClrMapping/>
+  </p:clrMapOvr>
+  <p:transition xmlns:p14="http://schemas.microsoft.com/office/powerpoint/2010/main" spd="med" advClick="1"/>
+</p:sld>
+</file>
+
+<file path=ppt/slides/slide6.xml><?xml version="1.0" encoding="utf-8"?>
+<p:sld xmlns:a="http://schemas.openxmlformats.org/drawingml/2006/main" xmlns:r="http://schemas.openxmlformats.org/officeDocument/2006/relationships" xmlns:p="http://schemas.openxmlformats.org/presentationml/2006/main" xmlns:m="http://schemas.openxmlformats.org/officeDocument/2006/math" xmlns:a14="http://schemas.microsoft.com/office/drawing/2010/main" showMasterSp="1" showMasterPhAnim="1">
+  <p:cSld>
+    <p:spTree>
+      <p:nvGrpSpPr>
+        <p:cNvPr id="1" name=""/>
+        <p:cNvGrpSpPr/>
+        <p:nvPr/>
+      </p:nvGrpSpPr>
+      <p:grpSpPr>
+        <a:xfrm>
+          <a:off x="0" y="0"/>
+          <a:ext cx="0" cy="0"/>
+          <a:chOff x="0" y="0"/>
+          <a:chExt cx="0" cy="0"/>
+        </a:xfrm>
+      </p:grpSpPr>
+      <p:sp>
+        <p:nvSpPr>
+          <p:cNvPr id="178" name="About the Course"/>
+          <p:cNvSpPr txBox="1"/>
+          <p:nvPr>
+            <p:ph type="title" idx="4294967295"/>
+          </p:nvPr>
+        </p:nvSpPr>
+        <p:spPr>
+          <a:xfrm>
+            <a:off x="160089" y="-3"/>
+            <a:ext cx="12643557" cy="1625601"/>
+          </a:xfrm>
+          <a:prstGeom prst="rect">
+            <a:avLst/>
+          </a:prstGeom>
+        </p:spPr>
+        <p:txBody>
+          <a:bodyPr lIns="65021" tIns="65021" rIns="65021" bIns="65021" anchor="ctr"/>
+          <a:lstStyle>
+            <a:lvl1pPr algn="ctr" defTabSz="565708">
+              <a:lnSpc>
+                <a:spcPct val="100000"/>
+              </a:lnSpc>
+              <a:defRPr spc="0" sz="9744">
+                <a:solidFill>
+                  <a:srgbClr val="800000"/>
+                </a:solidFill>
+                <a:uFill>
+                  <a:solidFill>
+                    <a:srgbClr val="000000"/>
+                  </a:solidFill>
+                </a:uFill>
+                <a:latin typeface="Helvetica"/>
+                <a:ea typeface="Helvetica"/>
+                <a:cs typeface="Helvetica"/>
+                <a:sym typeface="Helvetica"/>
+              </a:defRPr>
+            </a:lvl1pPr>
+          </a:lstStyle>
+          <a:p>
+            <a:pPr/>
+            <a:r>
+              <a:t>Addendum: Script 2</a:t>
+            </a:r>
+          </a:p>
+        </p:txBody>
+      </p:sp>
+      <p:sp>
+        <p:nvSpPr>
+          <p:cNvPr id="179" name="The long 20th century will in all likelihood be seen in the future as the watershed in human experience:…"/>
+          <p:cNvSpPr txBox="1"/>
+          <p:nvPr/>
+        </p:nvSpPr>
+        <p:spPr>
+          <a:xfrm>
+            <a:off x="160089" y="1625596"/>
+            <a:ext cx="6096001" cy="7784056"/>
+          </a:xfrm>
+          <a:prstGeom prst="rect">
+            <a:avLst/>
+          </a:prstGeom>
+          <a:ln w="12700">
+            <a:miter lim="400000"/>
+          </a:ln>
+          <a:extLst>
+            <a:ext uri="{C572A759-6A51-4108-AA02-DFA0A04FC94B}">
+              <ma14:wrappingTextBoxFlag xmlns:ma14="http://schemas.microsoft.com/office/mac/drawingml/2011/main" val="1"/>
+            </a:ext>
+          </a:extLst>
+        </p:spPr>
+        <p:txBody>
+          <a:bodyPr lIns="65021" tIns="65021" rIns="65021" bIns="65021"/>
+          <a:lstStyle/>
+          <a:p>
+            <a:pPr algn="l" defTabSz="584199">
+              <a:spcBef>
+                <a:spcPts val="900"/>
+              </a:spcBef>
+              <a:defRPr sz="2400">
+                <a:solidFill>
+                  <a:srgbClr val="000000"/>
+                </a:solidFill>
+                <a:latin typeface="Times New Roman"/>
+                <a:ea typeface="Times New Roman"/>
+                <a:cs typeface="Times New Roman"/>
+                <a:sym typeface="Times New Roman"/>
+              </a:defRPr>
+            </a:pPr>
+            <a:r>
+              <a:t>extraordinarily far-reaching ramifications: the escape from Malthusian poverty as the check on human fertility, the arrival of modern feminism and the decline—not fall—of patriarchy, the approach of zero population growth.</a:t>
+            </a:r>
+          </a:p>
+          <a:p>
+            <a:pPr algn="l" defTabSz="584199">
+              <a:spcBef>
+                <a:spcPts val="900"/>
+              </a:spcBef>
+              <a:defRPr sz="2400">
+                <a:solidFill>
+                  <a:srgbClr val="000000"/>
+                </a:solidFill>
+                <a:latin typeface="Times New Roman"/>
+                <a:ea typeface="Times New Roman"/>
+                <a:cs typeface="Times New Roman"/>
+                <a:sym typeface="Times New Roman"/>
+              </a:defRPr>
+            </a:pPr>
+            <a:r>
+              <a:t>4. That a lot went wrong in the twentieth century. Its tyrannies were more brutal, bloody, &amp; barbaric than in previous centuries. And—astonishingly—they had much of their origins in _economic_ discontents and _economic_ ideologies. People killed each other in large numbers over questions of how the economy should be organized. A declining significance of caste and ethnicity in hemming people into unfreedom was offset by a rising significance of parental wealth in restricting people via relative poverty to lives of relative drudgery and imprisonment. And governments, over and over again, failed to manage their economies to produce steady full employment, equitable growth, a sense of stability, and a sense that people received what they were owed and got</a:t>
+            </a:r>
+          </a:p>
+        </p:txBody>
+      </p:sp>
+      <p:sp>
+        <p:nvSpPr>
+          <p:cNvPr id="180" name="The long 20th century will in all likelihood be seen in the future as the watershed in human experience:…"/>
+          <p:cNvSpPr txBox="1"/>
+          <p:nvPr/>
+        </p:nvSpPr>
+        <p:spPr>
+          <a:xfrm>
+            <a:off x="6707645" y="1625596"/>
+            <a:ext cx="6096001" cy="7784056"/>
+          </a:xfrm>
+          <a:prstGeom prst="rect">
+            <a:avLst/>
+          </a:prstGeom>
+          <a:ln w="12700">
+            <a:miter lim="400000"/>
+          </a:ln>
+          <a:extLst>
+            <a:ext uri="{C572A759-6A51-4108-AA02-DFA0A04FC94B}">
+              <ma14:wrappingTextBoxFlag xmlns:ma14="http://schemas.microsoft.com/office/mac/drawingml/2011/main" val="1"/>
+            </a:ext>
+          </a:extLst>
+        </p:spPr>
+        <p:txBody>
+          <a:bodyPr lIns="65021" tIns="65021" rIns="65021" bIns="65021"/>
+          <a:lstStyle/>
+          <a:p>
+            <a:pPr algn="l" defTabSz="584199">
+              <a:spcBef>
+                <a:spcPts val="900"/>
+              </a:spcBef>
+              <a:defRPr sz="2400">
+                <a:solidFill>
+                  <a:srgbClr val="000000"/>
+                </a:solidFill>
+                <a:latin typeface="Times New Roman"/>
+                <a:ea typeface="Times New Roman"/>
+                <a:cs typeface="Times New Roman"/>
+                <a:sym typeface="Times New Roman"/>
+              </a:defRPr>
+            </a:pPr>
+            <a:r>
+              <a:t>what they deserved to get.</a:t>
+            </a:r>
+          </a:p>
+          <a:p>
+            <a:pPr algn="l" defTabSz="584199">
+              <a:spcBef>
+                <a:spcPts val="900"/>
+              </a:spcBef>
+              <a:defRPr sz="2400">
+                <a:solidFill>
+                  <a:srgbClr val="000000"/>
+                </a:solidFill>
+                <a:latin typeface="Times New Roman"/>
+                <a:ea typeface="Times New Roman"/>
+                <a:cs typeface="Times New Roman"/>
+                <a:sym typeface="Times New Roman"/>
+              </a:defRPr>
+            </a:pPr>
+            <a:r>
+              <a:t>A word about the first of these—that the history of the 20th century was in a very important sense primarily _economic_. For most centuries, the core of history—the most interesting and important parts—was only tangentially at best related to the _economic_. For most centuries, the core of their history was, instead, intellectual or religious or political or cultural. </a:t>
+            </a:r>
+          </a:p>
+          <a:p>
+            <a:pPr algn="l" defTabSz="584199">
+              <a:spcBef>
+                <a:spcPts val="900"/>
+              </a:spcBef>
+              <a:defRPr sz="2400">
+                <a:solidFill>
+                  <a:srgbClr val="000000"/>
+                </a:solidFill>
+                <a:latin typeface="Times New Roman"/>
+                <a:ea typeface="Times New Roman"/>
+                <a:cs typeface="Times New Roman"/>
+                <a:sym typeface="Times New Roman"/>
+              </a:defRPr>
+            </a:pPr>
+            <a:r>
+              <a:t>The background behind me shows an 1877 interpretation of a moment that is at the core of the history of western Eurasia—what we usually call “Europe”—in the 1500s: the religious struggles of the Protestant Reformation and the Catholic Reformation. This moment is when the Holy Roman Emperor asks the monk and religious reformer Martin Luther to abandon some of his theological claims in order to maintain religious unity and concord among German Christians, and avoid bloody and brutal lengthy wars. Luther responds that his</a:t>
+            </a:r>
+          </a:p>
+        </p:txBody>
+      </p:sp>
+    </p:spTree>
+  </p:cSld>
+  <p:clrMapOvr>
+    <a:masterClrMapping/>
+  </p:clrMapOvr>
+  <p:transition xmlns:p14="http://schemas.microsoft.com/office/powerpoint/2010/main" spd="med" advClick="1"/>
+</p:sld>
+</file>
+
+<file path=ppt/slides/slide7.xml><?xml version="1.0" encoding="utf-8"?>
+<p:sld xmlns:a="http://schemas.openxmlformats.org/drawingml/2006/main" xmlns:r="http://schemas.openxmlformats.org/officeDocument/2006/relationships" xmlns:p="http://schemas.openxmlformats.org/presentationml/2006/main" xmlns:m="http://schemas.openxmlformats.org/officeDocument/2006/math" xmlns:a14="http://schemas.microsoft.com/office/drawing/2010/main" showMasterSp="1" showMasterPhAnim="1">
+  <p:cSld>
+    <p:spTree>
+      <p:nvGrpSpPr>
+        <p:cNvPr id="1" name=""/>
+        <p:cNvGrpSpPr/>
+        <p:nvPr/>
+      </p:nvGrpSpPr>
+      <p:grpSpPr>
+        <a:xfrm>
+          <a:off x="0" y="0"/>
+          <a:ext cx="0" cy="0"/>
+          <a:chOff x="0" y="0"/>
+          <a:chExt cx="0" cy="0"/>
+        </a:xfrm>
+      </p:grpSpPr>
+      <p:sp>
+        <p:nvSpPr>
+          <p:cNvPr id="182" name="About the Course"/>
+          <p:cNvSpPr txBox="1"/>
+          <p:nvPr>
+            <p:ph type="title" idx="4294967295"/>
+          </p:nvPr>
+        </p:nvSpPr>
+        <p:spPr>
+          <a:xfrm>
+            <a:off x="160089" y="-3"/>
+            <a:ext cx="12643557" cy="1625601"/>
+          </a:xfrm>
+          <a:prstGeom prst="rect">
+            <a:avLst/>
+          </a:prstGeom>
+        </p:spPr>
+        <p:txBody>
+          <a:bodyPr lIns="65021" tIns="65021" rIns="65021" bIns="65021" anchor="ctr"/>
+          <a:lstStyle>
+            <a:lvl1pPr algn="ctr" defTabSz="565708">
+              <a:lnSpc>
+                <a:spcPct val="100000"/>
+              </a:lnSpc>
+              <a:defRPr spc="0" sz="9744">
+                <a:solidFill>
+                  <a:srgbClr val="800000"/>
+                </a:solidFill>
+                <a:uFill>
+                  <a:solidFill>
+                    <a:srgbClr val="000000"/>
+                  </a:solidFill>
+                </a:uFill>
+                <a:latin typeface="Helvetica"/>
+                <a:ea typeface="Helvetica"/>
+                <a:cs typeface="Helvetica"/>
+                <a:sym typeface="Helvetica"/>
+              </a:defRPr>
+            </a:lvl1pPr>
+          </a:lstStyle>
+          <a:p>
+            <a:pPr/>
+            <a:r>
+              <a:t>Addendum: Script 3</a:t>
+            </a:r>
+          </a:p>
+        </p:txBody>
+      </p:sp>
+      <p:sp>
+        <p:nvSpPr>
+          <p:cNvPr id="183" name="The long 20th century will in all likelihood be seen in the future as the watershed in human experience:…"/>
+          <p:cNvSpPr txBox="1"/>
+          <p:nvPr/>
+        </p:nvSpPr>
+        <p:spPr>
+          <a:xfrm>
+            <a:off x="160089" y="1625596"/>
+            <a:ext cx="6096001" cy="7784056"/>
+          </a:xfrm>
+          <a:prstGeom prst="rect">
+            <a:avLst/>
+          </a:prstGeom>
+          <a:ln w="12700">
+            <a:miter lim="400000"/>
+          </a:ln>
+          <a:extLst>
+            <a:ext uri="{C572A759-6A51-4108-AA02-DFA0A04FC94B}">
+              <ma14:wrappingTextBoxFlag xmlns:ma14="http://schemas.microsoft.com/office/mac/drawingml/2011/main" val="1"/>
+            </a:ext>
+          </a:extLst>
+        </p:spPr>
+        <p:txBody>
+          <a:bodyPr lIns="65021" tIns="65021" rIns="65021" bIns="65021"/>
+          <a:lstStyle/>
+          <a:p>
+            <a:pPr algn="l" defTabSz="584199">
+              <a:spcBef>
+                <a:spcPts val="900"/>
+              </a:spcBef>
+              <a:defRPr sz="2400">
+                <a:solidFill>
+                  <a:srgbClr val="000000"/>
+                </a:solidFill>
+                <a:latin typeface="Times New Roman"/>
+                <a:ea typeface="Times New Roman"/>
+                <a:cs typeface="Times New Roman"/>
+                <a:sym typeface="Times New Roman"/>
+              </a:defRPr>
+            </a:pPr>
+            <a:r>
+              <a:t>conscience will not let him. And Europe descends into nearly two centuries of near-genocidal religious war.</a:t>
+            </a:r>
+          </a:p>
+          <a:p>
+            <a:pPr algn="l" defTabSz="584199">
+              <a:spcBef>
+                <a:spcPts val="900"/>
+              </a:spcBef>
+              <a:defRPr sz="2400">
+                <a:solidFill>
+                  <a:srgbClr val="000000"/>
+                </a:solidFill>
+                <a:latin typeface="Times New Roman"/>
+                <a:ea typeface="Times New Roman"/>
+                <a:cs typeface="Times New Roman"/>
+                <a:sym typeface="Times New Roman"/>
+              </a:defRPr>
+            </a:pPr>
+            <a:r>
+              <a:t>The consolidation of Christianity in the Roman Empire, the spread of Islam, the Protestant Reformation, the Italian Renaissance, Ming Dynasty artistic creations, the American and French Revolutions, the conquests of the _Devlet-i ʿAlīye-i ʿOsmānīye (what Britos called the Ottoman Empire) and the consolidation of the holdings of the Gurkani dynasty (what Britons called the Moghul Empire)—these are the things of which history principally consists. The economy the background against which the action of a play took place, for its changes were only visible in what Fernand Braudel called the _longue durée_—the long run. </a:t>
+            </a:r>
+          </a:p>
+          <a:p>
+            <a:pPr algn="l" defTabSz="584199">
+              <a:spcBef>
+                <a:spcPts val="900"/>
+              </a:spcBef>
+              <a:defRPr sz="2400">
+                <a:solidFill>
+                  <a:srgbClr val="000000"/>
+                </a:solidFill>
+                <a:latin typeface="Times New Roman"/>
+                <a:ea typeface="Times New Roman"/>
+                <a:cs typeface="Times New Roman"/>
+                <a:sym typeface="Times New Roman"/>
+              </a:defRPr>
+            </a:pPr>
+            <a:r>
+              <a:t>Not so the history of the 20th century. The economy and economic events and changes are at its core.</a:t>
+            </a:r>
+          </a:p>
+        </p:txBody>
+      </p:sp>
+      <p:sp>
+        <p:nvSpPr>
+          <p:cNvPr id="184" name="The long 20th century will in all likelihood be seen in the future as the watershed in human experience:…"/>
+          <p:cNvSpPr txBox="1"/>
+          <p:nvPr/>
+        </p:nvSpPr>
+        <p:spPr>
+          <a:xfrm>
+            <a:off x="6707645" y="1625596"/>
+            <a:ext cx="6096001" cy="7784056"/>
+          </a:xfrm>
+          <a:prstGeom prst="rect">
+            <a:avLst/>
+          </a:prstGeom>
+          <a:ln w="12700">
+            <a:miter lim="400000"/>
+          </a:ln>
+          <a:extLst>
+            <a:ext uri="{C572A759-6A51-4108-AA02-DFA0A04FC94B}">
+              <ma14:wrappingTextBoxFlag xmlns:ma14="http://schemas.microsoft.com/office/mac/drawingml/2011/main" val="1"/>
+            </a:ext>
+          </a:extLst>
+        </p:spPr>
+        <p:txBody>
+          <a:bodyPr lIns="65021" tIns="65021" rIns="65021" bIns="65021"/>
+          <a:lstStyle/>
+          <a:p>
+            <a:pPr algn="l" defTabSz="584199">
+              <a:spcBef>
+                <a:spcPts val="900"/>
+              </a:spcBef>
+              <a:defRPr sz="2400">
+                <a:solidFill>
+                  <a:srgbClr val="000000"/>
+                </a:solidFill>
+                <a:latin typeface="Times New Roman"/>
+                <a:ea typeface="Times New Roman"/>
+                <a:cs typeface="Times New Roman"/>
+                <a:sym typeface="Times New Roman"/>
+              </a:defRPr>
+            </a:pPr>
+            <a:r>
+              <a:t>And let me add a fifth Big Idea:</a:t>
+            </a:r>
+          </a:p>
+          <a:p>
+            <a:pPr algn="l" defTabSz="584199">
+              <a:spcBef>
+                <a:spcPts val="900"/>
+              </a:spcBef>
+              <a:defRPr sz="2400">
+                <a:solidFill>
+                  <a:srgbClr val="000000"/>
+                </a:solidFill>
+                <a:latin typeface="Times New Roman"/>
+                <a:ea typeface="Times New Roman"/>
+                <a:cs typeface="Times New Roman"/>
+                <a:sym typeface="Times New Roman"/>
+              </a:defRPr>
+            </a:pPr>
+            <a:r>
+              <a:t>5. Our predecessors, many of them at least, would be amazed that, with the wealth and power, the technological and organizational tools, the knowledge and communications that we now possess, humanity has not done much more than it has done to make of the world a utopia. In the aftermath of World War I, Irish poet William Butler Yeats wrote of how positive utopian and millennial hopes seemed to be going wrong. The stories were that history was supposed to have a beautiful and miraculous end: a chosen one born in the city of King David—Bethlehem—to lead us all to a heavenly New Jerusalem. </a:t>
+            </a:r>
+          </a:p>
+          <a:p>
+            <a:pPr algn="l" defTabSz="584199">
+              <a:spcBef>
+                <a:spcPts val="900"/>
+              </a:spcBef>
+              <a:defRPr sz="2400">
+                <a:solidFill>
+                  <a:srgbClr val="000000"/>
+                </a:solidFill>
+                <a:latin typeface="Times New Roman"/>
+                <a:ea typeface="Times New Roman"/>
+                <a:cs typeface="Times New Roman"/>
+                <a:sym typeface="Times New Roman"/>
+              </a:defRPr>
+            </a:pPr>
+            <a:r>
+              <a:t>But, Yeats wrote in his poem _The Second Coming_, it was not so.</a:t>
+            </a:r>
+          </a:p>
+          <a:p>
+            <a:pPr algn="l" defTabSz="584199">
+              <a:spcBef>
+                <a:spcPts val="900"/>
+              </a:spcBef>
+              <a:defRPr sz="2400">
+                <a:solidFill>
+                  <a:srgbClr val="000000"/>
+                </a:solidFill>
+                <a:latin typeface="Times New Roman"/>
+                <a:ea typeface="Times New Roman"/>
+                <a:cs typeface="Times New Roman"/>
+                <a:sym typeface="Times New Roman"/>
+              </a:defRPr>
+            </a:pPr>
+            <a:r>
+              <a:t>It was not a chosen one but rather a “rough beast” “with lion body and the head of a man/a gaze blank and pitiless as the sun”. And its motion toward Bethlehem was a “slouching”</a:t>
+            </a:r>
+          </a:p>
+        </p:txBody>
+      </p:sp>
+    </p:spTree>
+  </p:cSld>
+  <p:clrMapOvr>
+    <a:masterClrMapping/>
+  </p:clrMapOvr>
+  <p:transition xmlns:p14="http://schemas.microsoft.com/office/powerpoint/2010/main" spd="med" advClick="1"/>
+</p:sld>
+</file>
+
+<file path=ppt/slides/slide8.xml><?xml version="1.0" encoding="utf-8"?>
+<p:sld xmlns:a="http://schemas.openxmlformats.org/drawingml/2006/main" xmlns:r="http://schemas.openxmlformats.org/officeDocument/2006/relationships" xmlns:p="http://schemas.openxmlformats.org/presentationml/2006/main" xmlns:m="http://schemas.openxmlformats.org/officeDocument/2006/math" xmlns:a14="http://schemas.microsoft.com/office/drawing/2010/main" showMasterSp="1" showMasterPhAnim="1">
+  <p:cSld>
+    <p:spTree>
+      <p:nvGrpSpPr>
+        <p:cNvPr id="1" name=""/>
+        <p:cNvGrpSpPr/>
+        <p:nvPr/>
+      </p:nvGrpSpPr>
+      <p:grpSpPr>
+        <a:xfrm>
+          <a:off x="0" y="0"/>
+          <a:ext cx="0" cy="0"/>
+          <a:chOff x="0" y="0"/>
+          <a:chExt cx="0" cy="0"/>
+        </a:xfrm>
+      </p:grpSpPr>
+      <p:sp>
+        <p:nvSpPr>
+          <p:cNvPr id="186" name="About the Course"/>
+          <p:cNvSpPr txBox="1"/>
+          <p:nvPr>
+            <p:ph type="title" idx="4294967295"/>
+          </p:nvPr>
+        </p:nvSpPr>
+        <p:spPr>
+          <a:xfrm>
+            <a:off x="160089" y="-3"/>
+            <a:ext cx="12643557" cy="1625601"/>
+          </a:xfrm>
+          <a:prstGeom prst="rect">
+            <a:avLst/>
+          </a:prstGeom>
+        </p:spPr>
+        <p:txBody>
+          <a:bodyPr lIns="65021" tIns="65021" rIns="65021" bIns="65021" anchor="ctr"/>
+          <a:lstStyle>
+            <a:lvl1pPr algn="ctr" defTabSz="565708">
+              <a:lnSpc>
+                <a:spcPct val="100000"/>
+              </a:lnSpc>
+              <a:defRPr spc="0" sz="9744">
+                <a:solidFill>
+                  <a:srgbClr val="800000"/>
+                </a:solidFill>
+                <a:uFill>
+                  <a:solidFill>
+                    <a:srgbClr val="000000"/>
+                  </a:solidFill>
+                </a:uFill>
+                <a:latin typeface="Helvetica"/>
+                <a:ea typeface="Helvetica"/>
+                <a:cs typeface="Helvetica"/>
+                <a:sym typeface="Helvetica"/>
+              </a:defRPr>
+            </a:lvl1pPr>
+          </a:lstStyle>
+          <a:p>
+            <a:pPr/>
+            <a:r>
+              <a:t>Addendum: Script 4</a:t>
+            </a:r>
+          </a:p>
+        </p:txBody>
+      </p:sp>
+      <p:sp>
+        <p:nvSpPr>
+          <p:cNvPr id="187" name="The long 20th century will in all likelihood be seen in the future as the watershed in human experience:…"/>
+          <p:cNvSpPr txBox="1"/>
+          <p:nvPr/>
+        </p:nvSpPr>
+        <p:spPr>
+          <a:xfrm>
+            <a:off x="160089" y="1625596"/>
+            <a:ext cx="6096001" cy="7784056"/>
+          </a:xfrm>
+          <a:prstGeom prst="rect">
+            <a:avLst/>
+          </a:prstGeom>
+          <a:ln w="12700">
+            <a:miter lim="400000"/>
+          </a:ln>
+          <a:extLst>
+            <a:ext uri="{C572A759-6A51-4108-AA02-DFA0A04FC94B}">
+              <ma14:wrappingTextBoxFlag xmlns:ma14="http://schemas.microsoft.com/office/mac/drawingml/2011/main" val="1"/>
+            </a:ext>
+          </a:extLst>
+        </p:spPr>
+        <p:txBody>
+          <a:bodyPr lIns="65021" tIns="65021" rIns="65021" bIns="65021"/>
+          <a:lstStyle/>
+          <a:p>
+            <a:pPr algn="l" defTabSz="584199">
+              <a:spcBef>
+                <a:spcPts val="900"/>
+              </a:spcBef>
+              <a:defRPr sz="2400">
+                <a:solidFill>
+                  <a:srgbClr val="000000"/>
+                </a:solidFill>
+                <a:latin typeface="Times New Roman"/>
+                <a:ea typeface="Times New Roman"/>
+                <a:cs typeface="Times New Roman"/>
+                <a:sym typeface="Times New Roman"/>
+              </a:defRPr>
+            </a:pPr>
+            <a:r>
+              <a:t>one. </a:t>
+            </a:r>
+          </a:p>
+          <a:p>
+            <a:pPr algn="l" defTabSz="584199">
+              <a:spcBef>
+                <a:spcPts val="900"/>
+              </a:spcBef>
+              <a:defRPr sz="2400">
+                <a:solidFill>
+                  <a:srgbClr val="000000"/>
+                </a:solidFill>
+                <a:latin typeface="Times New Roman"/>
+                <a:ea typeface="Times New Roman"/>
+                <a:cs typeface="Times New Roman"/>
+                <a:sym typeface="Times New Roman"/>
+              </a:defRPr>
+            </a:pPr>
+            <a:r>
+              <a:t>Yeats’s poem has been called the “most pillaged” in modern times—the most used and most cited. Why? Because it speaks to us, powerfully. </a:t>
+            </a:r>
+          </a:p>
+          <a:p>
+            <a:pPr algn="l" defTabSz="584199">
+              <a:spcBef>
+                <a:spcPts val="900"/>
+              </a:spcBef>
+              <a:defRPr sz="2400">
+                <a:solidFill>
+                  <a:srgbClr val="000000"/>
+                </a:solidFill>
+                <a:latin typeface="Times New Roman"/>
+                <a:ea typeface="Times New Roman"/>
+                <a:cs typeface="Times New Roman"/>
+                <a:sym typeface="Times New Roman"/>
+              </a:defRPr>
+            </a:pPr>
+            <a:r>
+              <a:t>The history of the 20th century has seen us as a race at best slouching, if that, towards something that might be a utopia, maybe.</a:t>
+            </a:r>
+          </a:p>
+        </p:txBody>
+      </p:sp>
+      <p:sp>
+        <p:nvSpPr>
+          <p:cNvPr id="188" name="The long 20th century will in all likelihood be seen in the future as the watershed in human experience:…"/>
+          <p:cNvSpPr txBox="1"/>
+          <p:nvPr/>
+        </p:nvSpPr>
+        <p:spPr>
+          <a:xfrm>
+            <a:off x="6707645" y="1625596"/>
+            <a:ext cx="6096001" cy="7784056"/>
+          </a:xfrm>
+          <a:prstGeom prst="rect">
+            <a:avLst/>
+          </a:prstGeom>
+          <a:ln w="12700">
+            <a:miter lim="400000"/>
+          </a:ln>
+        </p:spPr>
+        <p:txBody>
+          <a:bodyPr lIns="65021" tIns="65021" rIns="65021" bIns="65021"/>
+          <a:lstStyle/>
+          <a:p>
+            <a:pPr algn="l" defTabSz="584199">
+              <a:spcBef>
+                <a:spcPts val="900"/>
+              </a:spcBef>
+              <a:defRPr sz="2400">
+                <a:solidFill>
+                  <a:srgbClr val="000000"/>
+                </a:solidFill>
+                <a:latin typeface="Times New Roman"/>
+                <a:ea typeface="Times New Roman"/>
+                <a:cs typeface="Times New Roman"/>
+                <a:sym typeface="Times New Roman"/>
+              </a:defRPr>
+            </a:pPr>
           </a:p>
         </p:txBody>
       </p:sp>
